--- a/Informe.pptx
+++ b/Informe.pptx
@@ -21,7 +21,9 @@
     <p:sldId id="295" r:id="rId15"/>
     <p:sldId id="296" r:id="rId16"/>
     <p:sldId id="297" r:id="rId17"/>
-    <p:sldId id="280" r:id="rId18"/>
+    <p:sldId id="298" r:id="rId18"/>
+    <p:sldId id="299" r:id="rId19"/>
+    <p:sldId id="280" r:id="rId20"/>
   </p:sldIdLst>
   <p:sldSz cx="12192000" cy="6858000"/>
   <p:notesSz cx="6858000" cy="9144000"/>
@@ -4395,6 +4397,187 @@
 </file>
 
 <file path=ppt/slides/slide17.xml><?xml version="1.0" encoding="utf-8"?>
+<p:sld xmlns:a="http://schemas.openxmlformats.org/drawingml/2006/main" xmlns:r="http://schemas.openxmlformats.org/officeDocument/2006/relationships" xmlns:p="http://schemas.openxmlformats.org/presentationml/2006/main">
+  <p:cSld>
+    <p:spTree>
+      <p:nvGrpSpPr>
+        <p:cNvPr id="1" name=""/>
+        <p:cNvGrpSpPr/>
+        <p:nvPr/>
+      </p:nvGrpSpPr>
+      <p:grpSpPr>
+        <a:xfrm>
+          <a:off x="0" y="0"/>
+          <a:ext cx="0" cy="0"/>
+          <a:chOff x="0" y="0"/>
+          <a:chExt cx="0" cy="0"/>
+        </a:xfrm>
+      </p:grpSpPr>
+      <p:pic>
+        <p:nvPicPr>
+          <p:cNvPr id="5" name="Imagen 4">
+            <a:extLst>
+              <a:ext uri="{FF2B5EF4-FFF2-40B4-BE49-F238E27FC236}">
+                <a16:creationId xmlns:a16="http://schemas.microsoft.com/office/drawing/2014/main" id="{2C6EE255-41D6-4E0F-EAA7-2137855F55DB}"/>
+              </a:ext>
+            </a:extLst>
+          </p:cNvPr>
+          <p:cNvPicPr>
+            <a:picLocks noChangeAspect="1"/>
+          </p:cNvPicPr>
+          <p:nvPr/>
+        </p:nvPicPr>
+        <p:blipFill>
+          <a:blip r:embed="rId2"/>
+          <a:stretch>
+            <a:fillRect/>
+          </a:stretch>
+        </p:blipFill>
+        <p:spPr>
+          <a:xfrm>
+            <a:off x="909541" y="2009548"/>
+            <a:ext cx="5186459" cy="2838904"/>
+          </a:xfrm>
+          <a:prstGeom prst="rect">
+            <a:avLst/>
+          </a:prstGeom>
+        </p:spPr>
+      </p:pic>
+      <p:pic>
+        <p:nvPicPr>
+          <p:cNvPr id="7" name="Imagen 6">
+            <a:extLst>
+              <a:ext uri="{FF2B5EF4-FFF2-40B4-BE49-F238E27FC236}">
+                <a16:creationId xmlns:a16="http://schemas.microsoft.com/office/drawing/2014/main" id="{9234BEBC-1479-E959-A181-1433EFB0FDDA}"/>
+              </a:ext>
+            </a:extLst>
+          </p:cNvPr>
+          <p:cNvPicPr>
+            <a:picLocks noChangeAspect="1"/>
+          </p:cNvPicPr>
+          <p:nvPr/>
+        </p:nvPicPr>
+        <p:blipFill>
+          <a:blip r:embed="rId3"/>
+          <a:stretch>
+            <a:fillRect/>
+          </a:stretch>
+        </p:blipFill>
+        <p:spPr>
+          <a:xfrm>
+            <a:off x="7138506" y="1653341"/>
+            <a:ext cx="4143953" cy="4067743"/>
+          </a:xfrm>
+          <a:prstGeom prst="rect">
+            <a:avLst/>
+          </a:prstGeom>
+        </p:spPr>
+      </p:pic>
+    </p:spTree>
+    <p:extLst>
+      <p:ext uri="{BB962C8B-B14F-4D97-AF65-F5344CB8AC3E}">
+        <p14:creationId xmlns:p14="http://schemas.microsoft.com/office/powerpoint/2010/main" val="1653821565"/>
+      </p:ext>
+    </p:extLst>
+  </p:cSld>
+  <p:clrMapOvr>
+    <a:masterClrMapping/>
+  </p:clrMapOvr>
+</p:sld>
+</file>
+
+<file path=ppt/slides/slide18.xml><?xml version="1.0" encoding="utf-8"?>
+<p:sld xmlns:a="http://schemas.openxmlformats.org/drawingml/2006/main" xmlns:r="http://schemas.openxmlformats.org/officeDocument/2006/relationships" xmlns:p="http://schemas.openxmlformats.org/presentationml/2006/main">
+  <p:cSld>
+    <p:spTree>
+      <p:nvGrpSpPr>
+        <p:cNvPr id="1" name=""/>
+        <p:cNvGrpSpPr/>
+        <p:nvPr/>
+      </p:nvGrpSpPr>
+      <p:grpSpPr>
+        <a:xfrm>
+          <a:off x="0" y="0"/>
+          <a:ext cx="0" cy="0"/>
+          <a:chOff x="0" y="0"/>
+          <a:chExt cx="0" cy="0"/>
+        </a:xfrm>
+      </p:grpSpPr>
+      <p:pic>
+        <p:nvPicPr>
+          <p:cNvPr id="9" name="Marcador de contenido 8">
+            <a:extLst>
+              <a:ext uri="{FF2B5EF4-FFF2-40B4-BE49-F238E27FC236}">
+                <a16:creationId xmlns:a16="http://schemas.microsoft.com/office/drawing/2014/main" id="{29842EE1-D25E-9040-C2D5-A0C2003E0136}"/>
+              </a:ext>
+            </a:extLst>
+          </p:cNvPr>
+          <p:cNvPicPr>
+            <a:picLocks noGrp="1" noChangeAspect="1"/>
+          </p:cNvPicPr>
+          <p:nvPr>
+            <p:ph idx="1"/>
+          </p:nvPr>
+        </p:nvPicPr>
+        <p:blipFill>
+          <a:blip r:embed="rId2"/>
+          <a:srcRect r="16834"/>
+          <a:stretch/>
+        </p:blipFill>
+        <p:spPr>
+          <a:xfrm>
+            <a:off x="6921916" y="626524"/>
+            <a:ext cx="2789889" cy="5364408"/>
+          </a:xfrm>
+          <a:prstGeom prst="rect">
+            <a:avLst/>
+          </a:prstGeom>
+        </p:spPr>
+      </p:pic>
+      <p:pic>
+        <p:nvPicPr>
+          <p:cNvPr id="5" name="Imagen 4">
+            <a:extLst>
+              <a:ext uri="{FF2B5EF4-FFF2-40B4-BE49-F238E27FC236}">
+                <a16:creationId xmlns:a16="http://schemas.microsoft.com/office/drawing/2014/main" id="{7445EDE0-D05F-22B1-19A3-04F827B4B960}"/>
+              </a:ext>
+            </a:extLst>
+          </p:cNvPr>
+          <p:cNvPicPr>
+            <a:picLocks noChangeAspect="1"/>
+          </p:cNvPicPr>
+          <p:nvPr/>
+        </p:nvPicPr>
+        <p:blipFill>
+          <a:blip r:embed="rId3"/>
+          <a:stretch>
+            <a:fillRect/>
+          </a:stretch>
+        </p:blipFill>
+        <p:spPr>
+          <a:xfrm>
+            <a:off x="2062030" y="694721"/>
+            <a:ext cx="3252920" cy="5296211"/>
+          </a:xfrm>
+          <a:prstGeom prst="rect">
+            <a:avLst/>
+          </a:prstGeom>
+        </p:spPr>
+      </p:pic>
+    </p:spTree>
+    <p:extLst>
+      <p:ext uri="{BB962C8B-B14F-4D97-AF65-F5344CB8AC3E}">
+        <p14:creationId xmlns:p14="http://schemas.microsoft.com/office/powerpoint/2010/main" val="4111453815"/>
+      </p:ext>
+    </p:extLst>
+  </p:cSld>
+  <p:clrMapOvr>
+    <a:masterClrMapping/>
+  </p:clrMapOvr>
+</p:sld>
+</file>
+
+<file path=ppt/slides/slide19.xml><?xml version="1.0" encoding="utf-8"?>
 <p:sld xmlns:a="http://schemas.openxmlformats.org/drawingml/2006/main" xmlns:r="http://schemas.openxmlformats.org/officeDocument/2006/relationships" xmlns:p="http://schemas.openxmlformats.org/presentationml/2006/main">
   <p:cSld>
     <p:spTree>
